--- a/file/Project.pptx
+++ b/file/Project.pptx
@@ -104,6 +104,11 @@
       </a:defRPr>
     </a:lvl9pPr>
   </p:defaultTextStyle>
+  <p:extLst>
+    <p:ext uri="{EFAFB233-063F-42B5-8137-9DF3F51BA10A}">
+      <p15:sldGuideLst xmlns:p15="http://schemas.microsoft.com/office/powerpoint/2012/main"/>
+    </p:ext>
+  </p:extLst>
 </p:presentation>
 </file>
 
@@ -254,7 +259,7 @@
           <a:p>
             <a:fld id="{9F5FD516-0E28-40C8-883A-464E06BB5803}" type="datetimeFigureOut">
               <a:rPr lang="zh-CN" altLang="en-US" smtClean="0"/>
-              <a:t>2024/12/9</a:t>
+              <a:t>2024/12/11</a:t>
             </a:fld>
             <a:endParaRPr lang="zh-CN" altLang="en-US"/>
           </a:p>
@@ -452,7 +457,7 @@
           <a:p>
             <a:fld id="{9F5FD516-0E28-40C8-883A-464E06BB5803}" type="datetimeFigureOut">
               <a:rPr lang="zh-CN" altLang="en-US" smtClean="0"/>
-              <a:t>2024/12/9</a:t>
+              <a:t>2024/12/11</a:t>
             </a:fld>
             <a:endParaRPr lang="zh-CN" altLang="en-US"/>
           </a:p>
@@ -660,7 +665,7 @@
           <a:p>
             <a:fld id="{9F5FD516-0E28-40C8-883A-464E06BB5803}" type="datetimeFigureOut">
               <a:rPr lang="zh-CN" altLang="en-US" smtClean="0"/>
-              <a:t>2024/12/9</a:t>
+              <a:t>2024/12/11</a:t>
             </a:fld>
             <a:endParaRPr lang="zh-CN" altLang="en-US"/>
           </a:p>
@@ -858,7 +863,7 @@
           <a:p>
             <a:fld id="{9F5FD516-0E28-40C8-883A-464E06BB5803}" type="datetimeFigureOut">
               <a:rPr lang="zh-CN" altLang="en-US" smtClean="0"/>
-              <a:t>2024/12/9</a:t>
+              <a:t>2024/12/11</a:t>
             </a:fld>
             <a:endParaRPr lang="zh-CN" altLang="en-US"/>
           </a:p>
@@ -1133,7 +1138,7 @@
           <a:p>
             <a:fld id="{9F5FD516-0E28-40C8-883A-464E06BB5803}" type="datetimeFigureOut">
               <a:rPr lang="zh-CN" altLang="en-US" smtClean="0"/>
-              <a:t>2024/12/9</a:t>
+              <a:t>2024/12/11</a:t>
             </a:fld>
             <a:endParaRPr lang="zh-CN" altLang="en-US"/>
           </a:p>
@@ -1398,7 +1403,7 @@
           <a:p>
             <a:fld id="{9F5FD516-0E28-40C8-883A-464E06BB5803}" type="datetimeFigureOut">
               <a:rPr lang="zh-CN" altLang="en-US" smtClean="0"/>
-              <a:t>2024/12/9</a:t>
+              <a:t>2024/12/11</a:t>
             </a:fld>
             <a:endParaRPr lang="zh-CN" altLang="en-US"/>
           </a:p>
@@ -1810,7 +1815,7 @@
           <a:p>
             <a:fld id="{9F5FD516-0E28-40C8-883A-464E06BB5803}" type="datetimeFigureOut">
               <a:rPr lang="zh-CN" altLang="en-US" smtClean="0"/>
-              <a:t>2024/12/9</a:t>
+              <a:t>2024/12/11</a:t>
             </a:fld>
             <a:endParaRPr lang="zh-CN" altLang="en-US"/>
           </a:p>
@@ -1951,7 +1956,7 @@
           <a:p>
             <a:fld id="{9F5FD516-0E28-40C8-883A-464E06BB5803}" type="datetimeFigureOut">
               <a:rPr lang="zh-CN" altLang="en-US" smtClean="0"/>
-              <a:t>2024/12/9</a:t>
+              <a:t>2024/12/11</a:t>
             </a:fld>
             <a:endParaRPr lang="zh-CN" altLang="en-US"/>
           </a:p>
@@ -2064,7 +2069,7 @@
           <a:p>
             <a:fld id="{9F5FD516-0E28-40C8-883A-464E06BB5803}" type="datetimeFigureOut">
               <a:rPr lang="zh-CN" altLang="en-US" smtClean="0"/>
-              <a:t>2024/12/9</a:t>
+              <a:t>2024/12/11</a:t>
             </a:fld>
             <a:endParaRPr lang="zh-CN" altLang="en-US"/>
           </a:p>
@@ -2375,7 +2380,7 @@
           <a:p>
             <a:fld id="{9F5FD516-0E28-40C8-883A-464E06BB5803}" type="datetimeFigureOut">
               <a:rPr lang="zh-CN" altLang="en-US" smtClean="0"/>
-              <a:t>2024/12/9</a:t>
+              <a:t>2024/12/11</a:t>
             </a:fld>
             <a:endParaRPr lang="zh-CN" altLang="en-US"/>
           </a:p>
@@ -2663,7 +2668,7 @@
           <a:p>
             <a:fld id="{9F5FD516-0E28-40C8-883A-464E06BB5803}" type="datetimeFigureOut">
               <a:rPr lang="zh-CN" altLang="en-US" smtClean="0"/>
-              <a:t>2024/12/9</a:t>
+              <a:t>2024/12/11</a:t>
             </a:fld>
             <a:endParaRPr lang="zh-CN" altLang="en-US"/>
           </a:p>
@@ -2904,7 +2909,7 @@
           <a:p>
             <a:fld id="{9F5FD516-0E28-40C8-883A-464E06BB5803}" type="datetimeFigureOut">
               <a:rPr lang="zh-CN" altLang="en-US" smtClean="0"/>
-              <a:t>2024/12/9</a:t>
+              <a:t>2024/12/11</a:t>
             </a:fld>
             <a:endParaRPr lang="zh-CN" altLang="en-US"/>
           </a:p>
@@ -3321,53 +3326,130 @@
           <a:chExt cx="0" cy="0"/>
         </a:xfrm>
       </p:grpSpPr>
-      <p:sp>
-        <p:nvSpPr>
-          <p:cNvPr id="2" name="标题 1">
-            <a:extLst>
-              <a:ext uri="{FF2B5EF4-FFF2-40B4-BE49-F238E27FC236}">
-                <a16:creationId xmlns:a16="http://schemas.microsoft.com/office/drawing/2014/main" id="{F8012CBD-3A74-E132-B706-E7FB036DE7CD}"/>
-              </a:ext>
-            </a:extLst>
-          </p:cNvPr>
-          <p:cNvSpPr>
-            <a:spLocks noGrp="1"/>
-          </p:cNvSpPr>
-          <p:nvPr>
-            <p:ph type="ctrTitle"/>
-          </p:nvPr>
-        </p:nvSpPr>
-        <p:spPr/>
-        <p:txBody>
-          <a:bodyPr/>
-          <a:lstStyle/>
-          <a:p>
+      <p:pic>
+        <p:nvPicPr>
+          <p:cNvPr id="6" name="图片 5">
+            <a:extLst>
+              <a:ext uri="{FF2B5EF4-FFF2-40B4-BE49-F238E27FC236}">
+                <a16:creationId xmlns:a16="http://schemas.microsoft.com/office/drawing/2014/main" id="{B637E598-0F6F-7A00-42FD-A8358C6A8286}"/>
+              </a:ext>
+            </a:extLst>
+          </p:cNvPr>
+          <p:cNvPicPr>
+            <a:picLocks noChangeAspect="1"/>
+          </p:cNvPicPr>
+          <p:nvPr/>
+        </p:nvPicPr>
+        <p:blipFill>
+          <a:blip r:embed="rId2">
+            <a:extLst>
+              <a:ext uri="{28A0092B-C50C-407E-A947-70E740481C1C}">
+                <a14:useLocalDpi xmlns:a14="http://schemas.microsoft.com/office/drawing/2010/main" val="0"/>
+              </a:ext>
+            </a:extLst>
+          </a:blip>
+          <a:stretch>
+            <a:fillRect/>
+          </a:stretch>
+        </p:blipFill>
+        <p:spPr>
+          <a:xfrm>
+            <a:off x="578202" y="144624"/>
+            <a:ext cx="574191" cy="6568751"/>
+          </a:xfrm>
+          <a:prstGeom prst="rect">
+            <a:avLst/>
+          </a:prstGeom>
+        </p:spPr>
+      </p:pic>
+      <p:sp>
+        <p:nvSpPr>
+          <p:cNvPr id="7" name="矩形 6">
+            <a:extLst>
+              <a:ext uri="{FF2B5EF4-FFF2-40B4-BE49-F238E27FC236}">
+                <a16:creationId xmlns:a16="http://schemas.microsoft.com/office/drawing/2014/main" id="{194A0453-0707-2084-A1E8-EDC6D1D9EBF1}"/>
+              </a:ext>
+            </a:extLst>
+          </p:cNvPr>
+          <p:cNvSpPr/>
+          <p:nvPr/>
+        </p:nvSpPr>
+        <p:spPr>
+          <a:xfrm>
+            <a:off x="1966586" y="576197"/>
+            <a:ext cx="3312000" cy="936000"/>
+          </a:xfrm>
+          <a:prstGeom prst="rect">
+            <a:avLst/>
+          </a:prstGeom>
+          <a:ln>
+            <a:noFill/>
+          </a:ln>
+        </p:spPr>
+        <p:style>
+          <a:lnRef idx="2">
+            <a:schemeClr val="accent5">
+              <a:shade val="15000"/>
+            </a:schemeClr>
+          </a:lnRef>
+          <a:fillRef idx="1">
+            <a:schemeClr val="accent5"/>
+          </a:fillRef>
+          <a:effectRef idx="0">
+            <a:schemeClr val="accent5"/>
+          </a:effectRef>
+          <a:fontRef idx="minor">
+            <a:schemeClr val="lt1"/>
+          </a:fontRef>
+        </p:style>
+        <p:txBody>
+          <a:bodyPr rtlCol="0" anchor="ctr"/>
+          <a:lstStyle/>
+          <a:p>
+            <a:pPr algn="ctr"/>
             <a:endParaRPr lang="zh-CN" altLang="en-US"/>
           </a:p>
         </p:txBody>
       </p:sp>
       <p:sp>
         <p:nvSpPr>
-          <p:cNvPr id="3" name="副标题 2">
-            <a:extLst>
-              <a:ext uri="{FF2B5EF4-FFF2-40B4-BE49-F238E27FC236}">
-                <a16:creationId xmlns:a16="http://schemas.microsoft.com/office/drawing/2014/main" id="{E7E4D7D4-3555-3A54-C61A-740865894378}"/>
-              </a:ext>
-            </a:extLst>
-          </p:cNvPr>
-          <p:cNvSpPr>
-            <a:spLocks noGrp="1"/>
-          </p:cNvSpPr>
-          <p:nvPr>
-            <p:ph type="subTitle" idx="1"/>
-          </p:nvPr>
-        </p:nvSpPr>
-        <p:spPr/>
-        <p:txBody>
-          <a:bodyPr/>
-          <a:lstStyle/>
-          <a:p>
-            <a:endParaRPr lang="zh-CN" altLang="en-US"/>
+          <p:cNvPr id="8" name="文本框 7">
+            <a:extLst>
+              <a:ext uri="{FF2B5EF4-FFF2-40B4-BE49-F238E27FC236}">
+                <a16:creationId xmlns:a16="http://schemas.microsoft.com/office/drawing/2014/main" id="{2FEE933F-9633-038E-05ED-E14922875CD9}"/>
+              </a:ext>
+            </a:extLst>
+          </p:cNvPr>
+          <p:cNvSpPr txBox="1"/>
+          <p:nvPr/>
+        </p:nvSpPr>
+        <p:spPr>
+          <a:xfrm>
+            <a:off x="5724394" y="776614"/>
+            <a:ext cx="913449" cy="369332"/>
+          </a:xfrm>
+          <a:prstGeom prst="rect">
+            <a:avLst/>
+          </a:prstGeom>
+          <a:noFill/>
+        </p:spPr>
+        <p:txBody>
+          <a:bodyPr wrap="square" rtlCol="0">
+            <a:spAutoFit/>
+          </a:bodyPr>
+          <a:lstStyle/>
+          <a:p>
+            <a:r>
+              <a:rPr lang="en-US" altLang="zh-CN" dirty="0">
+                <a:latin typeface="Mongolian Baiti" panose="03000500000000000000" pitchFamily="66" charset="0"/>
+                <a:cs typeface="Mongolian Baiti" panose="03000500000000000000" pitchFamily="66" charset="0"/>
+              </a:rPr>
+              <a:t>1</a:t>
+            </a:r>
+            <a:endParaRPr lang="zh-CN" altLang="en-US" dirty="0">
+              <a:latin typeface="Mongolian Baiti" panose="03000500000000000000" pitchFamily="66" charset="0"/>
+              <a:cs typeface="Mongolian Baiti" panose="03000500000000000000" pitchFamily="66" charset="0"/>
+            </a:endParaRPr>
           </a:p>
         </p:txBody>
       </p:sp>
